--- a/презентация_викуськиной.pptx
+++ b/презентация_викуськиной.pptx
@@ -4383,10 +4383,10 @@
       </p:sp>
       <p:pic>
         <p:nvPicPr>
-          <p:cNvPr id="4" name="Рисунок 3" descr="Спиральная модель жизненного цикла информационных систем - ПРОЕКТИРОВАНИЕ  ИНФОРМАЦИОННЫХ СИСТЕМ">
-            <a:extLst>
-              <a:ext uri="{FF2B5EF4-FFF2-40B4-BE49-F238E27FC236}">
-                <a16:creationId xmlns:a16="http://schemas.microsoft.com/office/drawing/2014/main" id="{1498FF16-004C-4C11-A7A5-8D0C40382078}"/>
+          <p:cNvPr id="5" name="Рисунок 4" descr="НОУ ИНТУИТ | Лекция | Жизненный цикл программного обеспечения">
+            <a:extLst>
+              <a:ext uri="{FF2B5EF4-FFF2-40B4-BE49-F238E27FC236}">
+                <a16:creationId xmlns:a16="http://schemas.microsoft.com/office/drawing/2014/main" id="{AAC5D376-F7AB-494E-8648-FFD1322FFAA0}"/>
               </a:ext>
             </a:extLst>
           </p:cNvPr>
@@ -4408,8 +4408,8 @@
         </p:blipFill>
         <p:spPr bwMode="auto">
           <a:xfrm>
-            <a:off x="2437372" y="1701873"/>
-            <a:ext cx="7317256" cy="4598841"/>
+            <a:off x="1936212" y="1903877"/>
+            <a:ext cx="8319576" cy="4464839"/>
           </a:xfrm>
           <a:prstGeom prst="rect">
             <a:avLst/>
